--- a/SSE3/MartinPresentation/project extra slides.pptx
+++ b/SSE3/MartinPresentation/project extra slides.pptx
@@ -6,11 +6,8 @@
   </p:sldMasterIdLst>
   <p:sldIdLst>
     <p:sldId id="257" r:id="rId2"/>
-    <p:sldId id="258" r:id="rId3"/>
-    <p:sldId id="259" r:id="rId4"/>
-    <p:sldId id="260" r:id="rId5"/>
-    <p:sldId id="261" r:id="rId6"/>
-    <p:sldId id="262" r:id="rId7"/>
+    <p:sldId id="259" r:id="rId3"/>
+    <p:sldId id="258" r:id="rId4"/>
   </p:sldIdLst>
   <p:sldSz cx="9144000" cy="6858000" type="screen4x3"/>
   <p:notesSz cx="6858000" cy="9144000"/>
@@ -3057,7 +3054,7 @@
           <a:p>
             <a:r>
               <a:rPr lang="en-US" dirty="0" smtClean="0"/>
-              <a:t>Project Introduction</a:t>
+              <a:t>Project</a:t>
             </a:r>
             <a:endParaRPr lang="en-US" dirty="0"/>
           </a:p>
@@ -3087,89 +3084,13 @@
           <a:p>
             <a:r>
               <a:rPr lang="en-US" dirty="0" smtClean="0"/>
-              <a:t>Knowledge Management</a:t>
+              <a:t>Workflow</a:t>
             </a:r>
           </a:p>
           <a:p>
             <a:r>
               <a:rPr lang="en-US" dirty="0" smtClean="0"/>
-              <a:t>Social Network Analysis</a:t>
-            </a:r>
-          </a:p>
-          <a:p>
-            <a:r>
-              <a:rPr lang="en-US" dirty="0" smtClean="0"/>
-              <a:t>Twitter, Tweets</a:t>
-            </a:r>
-            <a:endParaRPr lang="en-US" dirty="0"/>
-          </a:p>
-          <a:p>
-            <a:r>
-              <a:rPr lang="en-US" dirty="0" smtClean="0"/>
-              <a:t>Small Messages</a:t>
-            </a:r>
-          </a:p>
-          <a:p>
-            <a:pPr lvl="1"/>
-            <a:r>
-              <a:rPr lang="en-US" dirty="0" smtClean="0"/>
-              <a:t>Natural Language Processing (AI)</a:t>
-            </a:r>
-          </a:p>
-          <a:p>
-            <a:pPr lvl="1"/>
-            <a:r>
-              <a:rPr lang="en-US" dirty="0" smtClean="0"/>
-              <a:t>Search, Patterns (</a:t>
-            </a:r>
-            <a:r>
-              <a:rPr lang="en-US" dirty="0" smtClean="0"/>
-              <a:t>Regular Expression)</a:t>
-            </a:r>
-            <a:endParaRPr lang="en-US" dirty="0" smtClean="0"/>
-          </a:p>
-          <a:p>
-            <a:pPr lvl="1"/>
-            <a:r>
-              <a:rPr lang="en-US" dirty="0" smtClean="0"/>
-              <a:t>Trends, Pattern </a:t>
-            </a:r>
-            <a:r>
-              <a:rPr lang="en-US" dirty="0" smtClean="0"/>
-              <a:t>recognition</a:t>
-            </a:r>
-          </a:p>
-          <a:p>
-            <a:pPr lvl="2"/>
-            <a:r>
-              <a:rPr lang="en-US" dirty="0" smtClean="0"/>
-              <a:t>Early </a:t>
-            </a:r>
-            <a:r>
-              <a:rPr lang="en-US" dirty="0" smtClean="0"/>
-              <a:t>Warning </a:t>
-            </a:r>
-            <a:r>
-              <a:rPr lang="en-US" dirty="0" smtClean="0"/>
-              <a:t>System</a:t>
-            </a:r>
-          </a:p>
-          <a:p>
-            <a:pPr lvl="2"/>
-            <a:r>
-              <a:rPr lang="en-US" dirty="0" smtClean="0"/>
-              <a:t>M</a:t>
-            </a:r>
-            <a:r>
-              <a:rPr lang="en-US" dirty="0" smtClean="0"/>
-              <a:t>ass Surveillance</a:t>
-            </a:r>
-          </a:p>
-          <a:p>
-            <a:pPr lvl="2"/>
-            <a:r>
-              <a:rPr lang="en-US" dirty="0" smtClean="0"/>
-              <a:t>Total Information Awareness (TIA)</a:t>
+              <a:t>Data Workflow</a:t>
             </a:r>
             <a:endParaRPr lang="en-US" dirty="0" smtClean="0"/>
           </a:p>
@@ -3220,7 +3141,7 @@
           <a:p>
             <a:r>
               <a:rPr lang="en-US" dirty="0" smtClean="0"/>
-              <a:t>A Tweet Consist of</a:t>
+              <a:t>Knowledge Management Process</a:t>
             </a:r>
             <a:endParaRPr lang="en-US" dirty="0"/>
           </a:p>
@@ -3236,119 +3157,32 @@
             <p:ph idx="1"/>
           </p:nvPr>
         </p:nvSpPr>
-        <p:spPr/>
-        <p:txBody>
-          <a:bodyPr/>
-          <a:lstStyle/>
-          <a:p>
-            <a:r>
-              <a:rPr lang="en-US" i="1" dirty="0" smtClean="0"/>
-              <a:t>140 Characters</a:t>
-            </a:r>
-          </a:p>
-          <a:p>
-            <a:r>
-              <a:rPr lang="en-US" i="1" dirty="0" smtClean="0"/>
-              <a:t>Name</a:t>
-            </a:r>
-          </a:p>
-          <a:p>
-            <a:pPr lvl="1"/>
-            <a:r>
-              <a:rPr lang="en-US" i="1" dirty="0" smtClean="0"/>
-              <a:t>Sender</a:t>
-            </a:r>
-          </a:p>
-          <a:p>
-            <a:pPr lvl="1"/>
-            <a:r>
-              <a:rPr lang="en-US" i="1" dirty="0" smtClean="0"/>
-              <a:t>Recipient</a:t>
-            </a:r>
-          </a:p>
-          <a:p>
-            <a:r>
-              <a:rPr lang="en-US" i="1" dirty="0" smtClean="0"/>
-              <a:t>Time, Date</a:t>
-            </a:r>
-          </a:p>
-          <a:p>
-            <a:r>
-              <a:rPr lang="en-US" i="1" dirty="0" smtClean="0"/>
-              <a:t>Tweet ID number</a:t>
-            </a:r>
-          </a:p>
-          <a:p>
-            <a:pPr lvl="1"/>
-            <a:endParaRPr lang="en-US" i="1" dirty="0" smtClean="0"/>
-          </a:p>
-        </p:txBody>
-      </p:sp>
-      <p:pic>
-        <p:nvPicPr>
-          <p:cNvPr id="1026" name="Picture 2"/>
-          <p:cNvPicPr>
-            <a:picLocks noChangeAspect="1" noChangeArrowheads="1"/>
-          </p:cNvPicPr>
-          <p:nvPr/>
-        </p:nvPicPr>
-        <p:blipFill>
-          <a:blip r:embed="rId2">
-            <a:extLst>
-              <a:ext uri="{28A0092B-C50C-407E-A947-70E740481C1C}">
-                <a14:useLocalDpi xmlns:a14="http://schemas.microsoft.com/office/drawing/2010/main" val="0"/>
-              </a:ext>
-            </a:extLst>
-          </a:blip>
-          <a:srcRect/>
-          <a:stretch>
-            <a:fillRect/>
-          </a:stretch>
-        </p:blipFill>
-        <p:spPr bwMode="auto">
+        <p:spPr>
           <a:xfrm>
-            <a:off x="5076056" y="2132856"/>
-            <a:ext cx="3886200" cy="4543425"/>
+            <a:off x="457200" y="1600200"/>
+            <a:ext cx="8229600" cy="5257800"/>
           </a:xfrm>
-          <a:prstGeom prst="rect">
-            <a:avLst/>
-          </a:prstGeom>
-          <a:noFill/>
-          <a:ln>
-            <a:noFill/>
-          </a:ln>
-          <a:effectLst/>
-          <a:extLst>
-            <a:ext uri="{909E8E84-426E-40DD-AFC4-6F175D3DCCD1}">
-              <a14:hiddenFill xmlns:a14="http://schemas.microsoft.com/office/drawing/2010/main">
-                <a:solidFill>
-                  <a:schemeClr val="accent1"/>
-                </a:solidFill>
-              </a14:hiddenFill>
-            </a:ext>
-            <a:ext uri="{91240B29-F687-4F45-9708-019B960494DF}">
-              <a14:hiddenLine xmlns:a14="http://schemas.microsoft.com/office/drawing/2010/main" w="9525">
-                <a:solidFill>
-                  <a:schemeClr val="tx1"/>
-                </a:solidFill>
-                <a:miter lim="800000"/>
-                <a:headEnd/>
-                <a:tailEnd/>
-              </a14:hiddenLine>
-            </a:ext>
-            <a:ext uri="{AF507438-7753-43E0-B8FC-AC1667EBCBE1}">
-              <a14:hiddenEffects xmlns:a14="http://schemas.microsoft.com/office/drawing/2010/main">
-                <a:effectLst>
-                  <a:outerShdw dist="35921" dir="2700000" algn="ctr" rotWithShape="0">
-                    <a:schemeClr val="bg2"/>
-                  </a:outerShdw>
-                </a:effectLst>
-              </a14:hiddenEffects>
-            </a:ext>
-          </a:extLst>
         </p:spPr>
-      </p:pic>
+        <p:txBody>
+          <a:bodyPr>
+            <a:normAutofit/>
+          </a:bodyPr>
+          <a:lstStyle/>
+          <a:p>
+            <a:r>
+              <a:rPr lang="en-US" dirty="0" smtClean="0"/>
+              <a:t>Social Network Analysis</a:t>
+            </a:r>
+            <a:endParaRPr lang="en-US" dirty="0" smtClean="0"/>
+          </a:p>
+        </p:txBody>
+      </p:sp>
     </p:spTree>
+    <p:extLst>
+      <p:ext uri="{BB962C8B-B14F-4D97-AF65-F5344CB8AC3E}">
+        <p14:creationId xmlns:p14="http://schemas.microsoft.com/office/powerpoint/2010/main" val="1184956677"/>
+      </p:ext>
+    </p:extLst>
   </p:cSld>
   <p:clrMapOvr>
     <a:masterClrMapping/>
@@ -3390,7 +3224,7 @@
           <a:p>
             <a:r>
               <a:rPr lang="en-US" dirty="0" smtClean="0"/>
-              <a:t>Social Network Analysis</a:t>
+              <a:t>Knowledge Management Workflow</a:t>
             </a:r>
             <a:endParaRPr lang="en-US" dirty="0"/>
           </a:p>
@@ -3409,526 +3243,52 @@
         <p:spPr>
           <a:xfrm>
             <a:off x="457200" y="1600200"/>
-            <a:ext cx="8229600" cy="5257800"/>
+            <a:ext cx="8229600" cy="4997152"/>
           </a:xfrm>
         </p:spPr>
         <p:txBody>
           <a:bodyPr>
-            <a:normAutofit lnSpcReduction="10000"/>
+            <a:normAutofit/>
           </a:bodyPr>
           <a:lstStyle/>
           <a:p>
             <a:r>
               <a:rPr lang="en-US" dirty="0" smtClean="0"/>
-              <a:t>A field in Knowledge Management</a:t>
+              <a:t>Hypertext</a:t>
             </a:r>
           </a:p>
           <a:p>
             <a:r>
               <a:rPr lang="en-US" dirty="0" smtClean="0"/>
-              <a:t>Can be apart of Total Information Awareness</a:t>
-            </a:r>
-          </a:p>
-          <a:p>
-            <a:pPr lvl="3"/>
+              <a:t>Twitter API</a:t>
+            </a:r>
+            <a:endParaRPr lang="en-US" dirty="0" smtClean="0"/>
+          </a:p>
+          <a:p>
             <a:r>
               <a:rPr lang="en-US" dirty="0" smtClean="0"/>
-              <a:t>personal e-mails, </a:t>
-            </a:r>
-            <a:r>
-              <a:rPr lang="en-US" dirty="0"/>
-              <a:t>credit card </a:t>
-            </a:r>
+              <a:t>HTTP Request</a:t>
+            </a:r>
+          </a:p>
+          <a:p>
+            <a:pPr lvl="1"/>
             <a:r>
               <a:rPr lang="en-US" dirty="0" smtClean="0"/>
-              <a:t>record, </a:t>
-            </a:r>
-            <a:r>
-              <a:rPr lang="en-US" dirty="0"/>
-              <a:t>phone </a:t>
-            </a:r>
-            <a:r>
-              <a:rPr lang="en-US" dirty="0" smtClean="0"/>
-              <a:t>calls, medical records</a:t>
-            </a:r>
-            <a:endParaRPr lang="en-US" dirty="0"/>
-          </a:p>
-          <a:p>
-            <a:pPr lvl="3"/>
-            <a:r>
-              <a:rPr lang="en-US" dirty="0"/>
-              <a:t>social network analysis</a:t>
-            </a:r>
-          </a:p>
-          <a:p>
-            <a:pPr lvl="3"/>
-            <a:r>
-              <a:rPr lang="en-US" dirty="0" smtClean="0"/>
-              <a:t>numerous </a:t>
-            </a:r>
-            <a:r>
-              <a:rPr lang="en-US" dirty="0"/>
-              <a:t>other </a:t>
-            </a:r>
-            <a:r>
-              <a:rPr lang="en-US" dirty="0" smtClean="0"/>
-              <a:t>sources</a:t>
-            </a:r>
-          </a:p>
-          <a:p>
-            <a:r>
-              <a:rPr lang="en-US" dirty="0" smtClean="0"/>
-              <a:t>Ambient awareness</a:t>
-            </a:r>
-          </a:p>
-          <a:p>
-            <a:pPr lvl="1"/>
-            <a:r>
-              <a:rPr lang="en-US" dirty="0" smtClean="0"/>
-              <a:t>Close connection</a:t>
-            </a:r>
-          </a:p>
-          <a:p>
-            <a:r>
-              <a:rPr lang="en-US" dirty="0" smtClean="0"/>
-              <a:t>Connectedness</a:t>
-            </a:r>
-          </a:p>
-          <a:p>
-            <a:pPr lvl="1"/>
-            <a:r>
-              <a:rPr lang="en-US" dirty="0" smtClean="0"/>
-              <a:t>Sender / recipient</a:t>
-            </a:r>
-          </a:p>
-          <a:p>
-            <a:pPr lvl="1"/>
-            <a:r>
-              <a:rPr lang="en-US" dirty="0"/>
-              <a:t>Node connection the profiles</a:t>
-            </a:r>
-          </a:p>
-          <a:p>
-            <a:pPr lvl="1"/>
+              <a:t>Limited</a:t>
+            </a:r>
+          </a:p>
+          <a:p>
             <a:endParaRPr lang="en-US" dirty="0" smtClean="0"/>
           </a:p>
           <a:p>
-            <a:pPr lvl="1"/>
             <a:endParaRPr lang="en-US" dirty="0" smtClean="0"/>
-          </a:p>
-          <a:p>
-            <a:endParaRPr lang="en-US" dirty="0" smtClean="0"/>
-          </a:p>
-          <a:p>
-            <a:endParaRPr lang="en-US" dirty="0"/>
-          </a:p>
-        </p:txBody>
-      </p:sp>
-      <p:pic>
-        <p:nvPicPr>
-          <p:cNvPr id="2050" name="Picture 2"/>
-          <p:cNvPicPr>
-            <a:picLocks noChangeAspect="1" noChangeArrowheads="1"/>
-          </p:cNvPicPr>
-          <p:nvPr/>
-        </p:nvPicPr>
-        <p:blipFill>
-          <a:blip r:embed="rId2">
-            <a:extLst>
-              <a:ext uri="{28A0092B-C50C-407E-A947-70E740481C1C}">
-                <a14:useLocalDpi xmlns:a14="http://schemas.microsoft.com/office/drawing/2010/main" val="0"/>
-              </a:ext>
-            </a:extLst>
-          </a:blip>
-          <a:srcRect/>
-          <a:stretch>
-            <a:fillRect/>
-          </a:stretch>
-        </p:blipFill>
-        <p:spPr bwMode="auto">
-          <a:xfrm>
-            <a:off x="5154152" y="3501008"/>
-            <a:ext cx="3989848" cy="3077923"/>
-          </a:xfrm>
-          <a:prstGeom prst="rect">
-            <a:avLst/>
-          </a:prstGeom>
-          <a:noFill/>
-          <a:ln>
-            <a:noFill/>
-          </a:ln>
-          <a:effectLst/>
-          <a:extLst>
-            <a:ext uri="{909E8E84-426E-40DD-AFC4-6F175D3DCCD1}">
-              <a14:hiddenFill xmlns:a14="http://schemas.microsoft.com/office/drawing/2010/main">
-                <a:solidFill>
-                  <a:schemeClr val="accent1"/>
-                </a:solidFill>
-              </a14:hiddenFill>
-            </a:ext>
-            <a:ext uri="{91240B29-F687-4F45-9708-019B960494DF}">
-              <a14:hiddenLine xmlns:a14="http://schemas.microsoft.com/office/drawing/2010/main" w="9525">
-                <a:solidFill>
-                  <a:schemeClr val="tx1"/>
-                </a:solidFill>
-                <a:miter lim="800000"/>
-                <a:headEnd/>
-                <a:tailEnd/>
-              </a14:hiddenLine>
-            </a:ext>
-            <a:ext uri="{AF507438-7753-43E0-B8FC-AC1667EBCBE1}">
-              <a14:hiddenEffects xmlns:a14="http://schemas.microsoft.com/office/drawing/2010/main">
-                <a:effectLst>
-                  <a:outerShdw dist="35921" dir="2700000" algn="ctr" rotWithShape="0">
-                    <a:schemeClr val="bg2"/>
-                  </a:outerShdw>
-                </a:effectLst>
-              </a14:hiddenEffects>
-            </a:ext>
-          </a:extLst>
-        </p:spPr>
-      </p:pic>
-    </p:spTree>
-  </p:cSld>
-  <p:clrMapOvr>
-    <a:masterClrMapping/>
-  </p:clrMapOvr>
-</p:sld>
-</file>
-
-<file path=ppt/slides/slide4.xml><?xml version="1.0" encoding="utf-8"?>
-<p:sld xmlns:a="http://schemas.openxmlformats.org/drawingml/2006/main" xmlns:r="http://schemas.openxmlformats.org/officeDocument/2006/relationships" xmlns:p="http://schemas.openxmlformats.org/presentationml/2006/main">
-  <p:cSld>
-    <p:spTree>
-      <p:nvGrpSpPr>
-        <p:cNvPr id="1" name=""/>
-        <p:cNvGrpSpPr/>
-        <p:nvPr/>
-      </p:nvGrpSpPr>
-      <p:grpSpPr>
-        <a:xfrm>
-          <a:off x="0" y="0"/>
-          <a:ext cx="0" cy="0"/>
-          <a:chOff x="0" y="0"/>
-          <a:chExt cx="0" cy="0"/>
-        </a:xfrm>
-      </p:grpSpPr>
-      <p:sp>
-        <p:nvSpPr>
-          <p:cNvPr id="2" name="Titel 1"/>
-          <p:cNvSpPr>
-            <a:spLocks noGrp="1"/>
-          </p:cNvSpPr>
-          <p:nvPr>
-            <p:ph type="title"/>
-          </p:nvPr>
-        </p:nvSpPr>
-        <p:spPr/>
-        <p:txBody>
-          <a:bodyPr/>
-          <a:lstStyle/>
-          <a:p>
-            <a:r>
-              <a:rPr lang="en-US" dirty="0" smtClean="0"/>
-              <a:t>Gathering and Limitations</a:t>
-            </a:r>
-            <a:endParaRPr lang="en-US" dirty="0"/>
-          </a:p>
-        </p:txBody>
-      </p:sp>
-      <p:sp>
-        <p:nvSpPr>
-          <p:cNvPr id="3" name="Pladsholder til indhold 2"/>
-          <p:cNvSpPr>
-            <a:spLocks noGrp="1"/>
-          </p:cNvSpPr>
-          <p:nvPr>
-            <p:ph idx="1"/>
-          </p:nvPr>
-        </p:nvSpPr>
-        <p:spPr/>
-        <p:txBody>
-          <a:bodyPr/>
-          <a:lstStyle/>
-          <a:p>
-            <a:r>
-              <a:rPr lang="en-US" dirty="0" smtClean="0"/>
-              <a:t>Gather usin</a:t>
-            </a:r>
-            <a:r>
-              <a:rPr lang="en-US" dirty="0" smtClean="0"/>
-              <a:t>g Twitter API</a:t>
-            </a:r>
-          </a:p>
-          <a:p>
-            <a:pPr lvl="1"/>
-            <a:r>
-              <a:rPr lang="en-US" dirty="0" smtClean="0"/>
-              <a:t>Twitterizer Library for C#</a:t>
-            </a:r>
-          </a:p>
-          <a:p>
-            <a:r>
-              <a:rPr lang="en-US" dirty="0" smtClean="0"/>
-              <a:t>Limits </a:t>
-            </a:r>
-            <a:r>
-              <a:rPr lang="en-US" dirty="0" smtClean="0"/>
-              <a:t>to Twitter </a:t>
-            </a:r>
-            <a:r>
-              <a:rPr lang="en-US" dirty="0" smtClean="0"/>
-              <a:t>API</a:t>
-            </a:r>
-          </a:p>
-          <a:p>
-            <a:pPr lvl="1"/>
-            <a:r>
-              <a:rPr lang="en-US" dirty="0" smtClean="0"/>
-              <a:t>Rate Limit</a:t>
-            </a:r>
-          </a:p>
-          <a:p>
-            <a:pPr lvl="1"/>
-            <a:r>
-              <a:rPr lang="en-US" dirty="0" smtClean="0"/>
-              <a:t>Hourly HTTP Request Limit</a:t>
-            </a:r>
-            <a:endParaRPr lang="en-US" dirty="0" smtClean="0"/>
-          </a:p>
-          <a:p>
-            <a:r>
-              <a:rPr lang="en-US" dirty="0" smtClean="0"/>
-              <a:t>Crawling </a:t>
-            </a:r>
-            <a:r>
-              <a:rPr lang="en-US" dirty="0" smtClean="0"/>
-              <a:t>Twitter</a:t>
-            </a:r>
-          </a:p>
-          <a:p>
-            <a:pPr lvl="1"/>
-            <a:r>
-              <a:rPr lang="en-US" dirty="0" smtClean="0"/>
-              <a:t>Find Follower, and Following</a:t>
-            </a:r>
-            <a:endParaRPr lang="en-US" dirty="0" smtClean="0"/>
-          </a:p>
-          <a:p>
-            <a:pPr lvl="1"/>
-            <a:r>
-              <a:rPr lang="en-US" dirty="0" smtClean="0"/>
-              <a:t>Web Crawler</a:t>
-            </a:r>
-            <a:endParaRPr lang="en-US" dirty="0"/>
           </a:p>
         </p:txBody>
       </p:sp>
     </p:spTree>
     <p:extLst>
       <p:ext uri="{BB962C8B-B14F-4D97-AF65-F5344CB8AC3E}">
-        <p14:creationId xmlns:p14="http://schemas.microsoft.com/office/powerpoint/2010/main" val="3359950604"/>
-      </p:ext>
-    </p:extLst>
-  </p:cSld>
-  <p:clrMapOvr>
-    <a:masterClrMapping/>
-  </p:clrMapOvr>
-</p:sld>
-</file>
-
-<file path=ppt/slides/slide5.xml><?xml version="1.0" encoding="utf-8"?>
-<p:sld xmlns:a="http://schemas.openxmlformats.org/drawingml/2006/main" xmlns:r="http://schemas.openxmlformats.org/officeDocument/2006/relationships" xmlns:p="http://schemas.openxmlformats.org/presentationml/2006/main">
-  <p:cSld>
-    <p:spTree>
-      <p:nvGrpSpPr>
-        <p:cNvPr id="1" name=""/>
-        <p:cNvGrpSpPr/>
-        <p:nvPr/>
-      </p:nvGrpSpPr>
-      <p:grpSpPr>
-        <a:xfrm>
-          <a:off x="0" y="0"/>
-          <a:ext cx="0" cy="0"/>
-          <a:chOff x="0" y="0"/>
-          <a:chExt cx="0" cy="0"/>
-        </a:xfrm>
-      </p:grpSpPr>
-      <p:sp>
-        <p:nvSpPr>
-          <p:cNvPr id="2" name="Titel 1"/>
-          <p:cNvSpPr>
-            <a:spLocks noGrp="1"/>
-          </p:cNvSpPr>
-          <p:nvPr>
-            <p:ph type="title"/>
-          </p:nvPr>
-        </p:nvSpPr>
-        <p:spPr/>
-        <p:txBody>
-          <a:bodyPr/>
-          <a:lstStyle/>
-          <a:p>
-            <a:r>
-              <a:rPr lang="en-US" dirty="0" smtClean="0"/>
-              <a:t>Demonstration</a:t>
-            </a:r>
-            <a:endParaRPr lang="en-US" dirty="0"/>
-          </a:p>
-        </p:txBody>
-      </p:sp>
-      <p:sp>
-        <p:nvSpPr>
-          <p:cNvPr id="3" name="Pladsholder til indhold 2"/>
-          <p:cNvSpPr>
-            <a:spLocks noGrp="1"/>
-          </p:cNvSpPr>
-          <p:nvPr>
-            <p:ph idx="1"/>
-          </p:nvPr>
-        </p:nvSpPr>
-        <p:spPr/>
-        <p:txBody>
-          <a:bodyPr/>
-          <a:lstStyle/>
-          <a:p>
-            <a:endParaRPr lang="en-US" dirty="0"/>
-          </a:p>
-        </p:txBody>
-      </p:sp>
-    </p:spTree>
-    <p:extLst>
-      <p:ext uri="{BB962C8B-B14F-4D97-AF65-F5344CB8AC3E}">
-        <p14:creationId xmlns:p14="http://schemas.microsoft.com/office/powerpoint/2010/main" val="3617389536"/>
-      </p:ext>
-    </p:extLst>
-  </p:cSld>
-  <p:clrMapOvr>
-    <a:masterClrMapping/>
-  </p:clrMapOvr>
-</p:sld>
-</file>
-
-<file path=ppt/slides/slide6.xml><?xml version="1.0" encoding="utf-8"?>
-<p:sld xmlns:a="http://schemas.openxmlformats.org/drawingml/2006/main" xmlns:r="http://schemas.openxmlformats.org/officeDocument/2006/relationships" xmlns:p="http://schemas.openxmlformats.org/presentationml/2006/main">
-  <p:cSld>
-    <p:spTree>
-      <p:nvGrpSpPr>
-        <p:cNvPr id="1" name=""/>
-        <p:cNvGrpSpPr/>
-        <p:nvPr/>
-      </p:nvGrpSpPr>
-      <p:grpSpPr>
-        <a:xfrm>
-          <a:off x="0" y="0"/>
-          <a:ext cx="0" cy="0"/>
-          <a:chOff x="0" y="0"/>
-          <a:chExt cx="0" cy="0"/>
-        </a:xfrm>
-      </p:grpSpPr>
-      <p:sp>
-        <p:nvSpPr>
-          <p:cNvPr id="2" name="Titel 1"/>
-          <p:cNvSpPr>
-            <a:spLocks noGrp="1"/>
-          </p:cNvSpPr>
-          <p:nvPr>
-            <p:ph type="title"/>
-          </p:nvPr>
-        </p:nvSpPr>
-        <p:spPr/>
-        <p:txBody>
-          <a:bodyPr/>
-          <a:lstStyle/>
-          <a:p>
-            <a:r>
-              <a:rPr lang="en-US" dirty="0" smtClean="0"/>
-              <a:t>Further Development </a:t>
-            </a:r>
-            <a:endParaRPr lang="en-US" dirty="0"/>
-          </a:p>
-        </p:txBody>
-      </p:sp>
-      <p:sp>
-        <p:nvSpPr>
-          <p:cNvPr id="3" name="Pladsholder til indhold 2"/>
-          <p:cNvSpPr>
-            <a:spLocks noGrp="1"/>
-          </p:cNvSpPr>
-          <p:nvPr>
-            <p:ph idx="1"/>
-          </p:nvPr>
-        </p:nvSpPr>
-        <p:spPr/>
-        <p:txBody>
-          <a:bodyPr/>
-          <a:lstStyle/>
-          <a:p>
-            <a:r>
-              <a:rPr lang="en-US" dirty="0" smtClean="0"/>
-              <a:t>Improve Search / Sort</a:t>
-            </a:r>
-          </a:p>
-          <a:p>
-            <a:pPr lvl="1"/>
-            <a:r>
-              <a:rPr lang="en-US" dirty="0"/>
-              <a:t>Natural Language </a:t>
-            </a:r>
-            <a:r>
-              <a:rPr lang="en-US" dirty="0" smtClean="0"/>
-              <a:t>Processing</a:t>
-            </a:r>
-          </a:p>
-          <a:p>
-            <a:r>
-              <a:rPr lang="en-US" dirty="0" smtClean="0"/>
-              <a:t>Improve Awareness</a:t>
-            </a:r>
-          </a:p>
-          <a:p>
-            <a:pPr lvl="1"/>
-            <a:r>
-              <a:rPr lang="en-US" dirty="0" smtClean="0"/>
-              <a:t>Node Connections</a:t>
-            </a:r>
-          </a:p>
-          <a:p>
-            <a:pPr lvl="2"/>
-            <a:r>
-              <a:rPr lang="en-US" dirty="0" smtClean="0"/>
-              <a:t>Closeness</a:t>
-            </a:r>
-          </a:p>
-          <a:p>
-            <a:pPr lvl="1"/>
-            <a:r>
-              <a:rPr lang="en-US" dirty="0" smtClean="0"/>
-              <a:t>Graphical Representation of Connections</a:t>
-            </a:r>
-            <a:endParaRPr lang="en-US" dirty="0"/>
-          </a:p>
-          <a:p>
-            <a:r>
-              <a:rPr lang="en-US" dirty="0" smtClean="0"/>
-              <a:t>Add Advanced Crawling</a:t>
-            </a:r>
-          </a:p>
-          <a:p>
-            <a:r>
-              <a:rPr lang="en-US" dirty="0" smtClean="0"/>
-              <a:t>Circumvent API Limitations</a:t>
-            </a:r>
-          </a:p>
-          <a:p>
-            <a:endParaRPr lang="en-US" dirty="0"/>
-          </a:p>
-        </p:txBody>
-      </p:sp>
-    </p:spTree>
-    <p:extLst>
-      <p:ext uri="{BB962C8B-B14F-4D97-AF65-F5344CB8AC3E}">
-        <p14:creationId xmlns:p14="http://schemas.microsoft.com/office/powerpoint/2010/main" val="578520247"/>
+        <p14:creationId xmlns:p14="http://schemas.microsoft.com/office/powerpoint/2010/main" val="3844842241"/>
       </p:ext>
     </p:extLst>
   </p:cSld>

--- a/SSE3/MartinPresentation/project extra slides.pptx
+++ b/SSE3/MartinPresentation/project extra slides.pptx
@@ -6,8 +6,8 @@
   </p:sldMasterIdLst>
   <p:sldIdLst>
     <p:sldId id="257" r:id="rId2"/>
-    <p:sldId id="259" r:id="rId3"/>
-    <p:sldId id="258" r:id="rId4"/>
+    <p:sldId id="258" r:id="rId3"/>
+    <p:sldId id="259" r:id="rId4"/>
   </p:sldIdLst>
   <p:sldSz cx="9144000" cy="6858000" type="screen4x3"/>
   <p:notesSz cx="6858000" cy="9144000"/>
@@ -3092,6 +3092,33 @@
               <a:rPr lang="en-US" dirty="0" smtClean="0"/>
               <a:t>Data Workflow</a:t>
             </a:r>
+          </a:p>
+          <a:p>
+            <a:r>
+              <a:rPr lang="en-US" dirty="0" smtClean="0"/>
+              <a:t>Client-Server System</a:t>
+            </a:r>
+          </a:p>
+          <a:p>
+            <a:r>
+              <a:rPr lang="en-US" dirty="0" smtClean="0"/>
+              <a:t>Twitter API</a:t>
+            </a:r>
+          </a:p>
+          <a:p>
+            <a:pPr lvl="1"/>
+            <a:r>
+              <a:rPr lang="en-US" dirty="0" smtClean="0"/>
+              <a:t>HTTP Request</a:t>
+            </a:r>
+          </a:p>
+          <a:p>
+            <a:r>
+              <a:rPr lang="en-US" dirty="0" smtClean="0"/>
+              <a:t>Twitterizer Library for C#</a:t>
+            </a:r>
+          </a:p>
+          <a:p>
             <a:endParaRPr lang="en-US" dirty="0" smtClean="0"/>
           </a:p>
           <a:p>
@@ -3141,7 +3168,7 @@
           <a:p>
             <a:r>
               <a:rPr lang="en-US" dirty="0" smtClean="0"/>
-              <a:t>Knowledge Management Process</a:t>
+              <a:t>Knowledge Management Workflow</a:t>
             </a:r>
             <a:endParaRPr lang="en-US" dirty="0"/>
           </a:p>
@@ -3160,7 +3187,7 @@
         <p:spPr>
           <a:xfrm>
             <a:off x="457200" y="1600200"/>
-            <a:ext cx="8229600" cy="5257800"/>
+            <a:ext cx="8229600" cy="4997152"/>
           </a:xfrm>
         </p:spPr>
         <p:txBody>
@@ -3171,8 +3198,33 @@
           <a:p>
             <a:r>
               <a:rPr lang="en-US" dirty="0" smtClean="0"/>
-              <a:t>Social Network Analysis</a:t>
-            </a:r>
+              <a:t>Hypertext</a:t>
+            </a:r>
+          </a:p>
+          <a:p>
+            <a:r>
+              <a:rPr lang="en-US" dirty="0" smtClean="0"/>
+              <a:t>Twitter API</a:t>
+            </a:r>
+            <a:endParaRPr lang="en-US" dirty="0" smtClean="0"/>
+          </a:p>
+          <a:p>
+            <a:r>
+              <a:rPr lang="en-US" dirty="0" smtClean="0"/>
+              <a:t>HTTP Request</a:t>
+            </a:r>
+          </a:p>
+          <a:p>
+            <a:pPr lvl="1"/>
+            <a:r>
+              <a:rPr lang="en-US" dirty="0" smtClean="0"/>
+              <a:t>Limited</a:t>
+            </a:r>
+          </a:p>
+          <a:p>
+            <a:endParaRPr lang="en-US" dirty="0" smtClean="0"/>
+          </a:p>
+          <a:p>
             <a:endParaRPr lang="en-US" dirty="0" smtClean="0"/>
           </a:p>
         </p:txBody>
@@ -3180,7 +3232,7 @@
     </p:spTree>
     <p:extLst>
       <p:ext uri="{BB962C8B-B14F-4D97-AF65-F5344CB8AC3E}">
-        <p14:creationId xmlns:p14="http://schemas.microsoft.com/office/powerpoint/2010/main" val="1184956677"/>
+        <p14:creationId xmlns:p14="http://schemas.microsoft.com/office/powerpoint/2010/main" val="3844842241"/>
       </p:ext>
     </p:extLst>
   </p:cSld>
@@ -3224,7 +3276,7 @@
           <a:p>
             <a:r>
               <a:rPr lang="en-US" dirty="0" smtClean="0"/>
-              <a:t>Knowledge Management Workflow</a:t>
+              <a:t>Knowledge Management Process</a:t>
             </a:r>
             <a:endParaRPr lang="en-US" dirty="0"/>
           </a:p>
@@ -3243,7 +3295,7 @@
         <p:spPr>
           <a:xfrm>
             <a:off x="457200" y="1600200"/>
-            <a:ext cx="8229600" cy="4997152"/>
+            <a:ext cx="8229600" cy="5257800"/>
           </a:xfrm>
         </p:spPr>
         <p:txBody>
@@ -3254,33 +3306,8 @@
           <a:p>
             <a:r>
               <a:rPr lang="en-US" dirty="0" smtClean="0"/>
-              <a:t>Hypertext</a:t>
-            </a:r>
-          </a:p>
-          <a:p>
-            <a:r>
-              <a:rPr lang="en-US" dirty="0" smtClean="0"/>
-              <a:t>Twitter API</a:t>
-            </a:r>
-            <a:endParaRPr lang="en-US" dirty="0" smtClean="0"/>
-          </a:p>
-          <a:p>
-            <a:r>
-              <a:rPr lang="en-US" dirty="0" smtClean="0"/>
-              <a:t>HTTP Request</a:t>
-            </a:r>
-          </a:p>
-          <a:p>
-            <a:pPr lvl="1"/>
-            <a:r>
-              <a:rPr lang="en-US" dirty="0" smtClean="0"/>
-              <a:t>Limited</a:t>
-            </a:r>
-          </a:p>
-          <a:p>
-            <a:endParaRPr lang="en-US" dirty="0" smtClean="0"/>
-          </a:p>
-          <a:p>
+              <a:t>Social Network Analysis</a:t>
+            </a:r>
             <a:endParaRPr lang="en-US" dirty="0" smtClean="0"/>
           </a:p>
         </p:txBody>
@@ -3288,7 +3315,7 @@
     </p:spTree>
     <p:extLst>
       <p:ext uri="{BB962C8B-B14F-4D97-AF65-F5344CB8AC3E}">
-        <p14:creationId xmlns:p14="http://schemas.microsoft.com/office/powerpoint/2010/main" val="3844842241"/>
+        <p14:creationId xmlns:p14="http://schemas.microsoft.com/office/powerpoint/2010/main" val="1184956677"/>
       </p:ext>
     </p:extLst>
   </p:cSld>

--- a/SSE3/MartinPresentation/project extra slides.pptx
+++ b/SSE3/MartinPresentation/project extra slides.pptx
@@ -3206,7 +3206,6 @@
               <a:rPr lang="en-US" dirty="0" smtClean="0"/>
               <a:t>Twitter API</a:t>
             </a:r>
-            <a:endParaRPr lang="en-US" dirty="0" smtClean="0"/>
           </a:p>
           <a:p>
             <a:r>
@@ -3306,8 +3305,17 @@
           <a:p>
             <a:r>
               <a:rPr lang="en-US" dirty="0" smtClean="0"/>
-              <a:t>Social Network Analysis</a:t>
-            </a:r>
+              <a:t>Social Network </a:t>
+            </a:r>
+            <a:r>
+              <a:rPr lang="en-US" dirty="0" smtClean="0"/>
+              <a:t>Analysis</a:t>
+            </a:r>
+          </a:p>
+          <a:p>
+            <a:endParaRPr lang="en-US" dirty="0"/>
+          </a:p>
+          <a:p>
             <a:endParaRPr lang="en-US" dirty="0" smtClean="0"/>
           </a:p>
         </p:txBody>

--- a/SSE3/MartinPresentation/project extra slides.pptx
+++ b/SSE3/MartinPresentation/project extra slides.pptx
@@ -4,10 +4,14 @@
   <p:sldMasterIdLst>
     <p:sldMasterId id="2147483648" r:id="rId1"/>
   </p:sldMasterIdLst>
+  <p:notesMasterIdLst>
+    <p:notesMasterId r:id="rId6"/>
+  </p:notesMasterIdLst>
   <p:sldIdLst>
     <p:sldId id="257" r:id="rId2"/>
-    <p:sldId id="258" r:id="rId3"/>
-    <p:sldId id="259" r:id="rId4"/>
+    <p:sldId id="259" r:id="rId3"/>
+    <p:sldId id="260" r:id="rId4"/>
+    <p:sldId id="261" r:id="rId5"/>
   </p:sldIdLst>
   <p:sldSz cx="9144000" cy="6858000" type="screen4x3"/>
   <p:notesSz cx="6858000" cy="9144000"/>
@@ -109,6 +113,524 @@
 </p:presentation>
 </file>
 
+<file path=ppt/notesMasters/notesMaster1.xml><?xml version="1.0" encoding="utf-8"?>
+<p:notesMaster xmlns:a="http://schemas.openxmlformats.org/drawingml/2006/main" xmlns:r="http://schemas.openxmlformats.org/officeDocument/2006/relationships" xmlns:p="http://schemas.openxmlformats.org/presentationml/2006/main">
+  <p:cSld>
+    <p:bg>
+      <p:bgRef idx="1001">
+        <a:schemeClr val="bg1"/>
+      </p:bgRef>
+    </p:bg>
+    <p:spTree>
+      <p:nvGrpSpPr>
+        <p:cNvPr id="1" name=""/>
+        <p:cNvGrpSpPr/>
+        <p:nvPr/>
+      </p:nvGrpSpPr>
+      <p:grpSpPr>
+        <a:xfrm>
+          <a:off x="0" y="0"/>
+          <a:ext cx="0" cy="0"/>
+          <a:chOff x="0" y="0"/>
+          <a:chExt cx="0" cy="0"/>
+        </a:xfrm>
+      </p:grpSpPr>
+      <p:sp>
+        <p:nvSpPr>
+          <p:cNvPr id="2" name="Header Placeholder 1"/>
+          <p:cNvSpPr>
+            <a:spLocks noGrp="1"/>
+          </p:cNvSpPr>
+          <p:nvPr>
+            <p:ph type="hdr" sz="quarter"/>
+          </p:nvPr>
+        </p:nvSpPr>
+        <p:spPr>
+          <a:xfrm>
+            <a:off x="0" y="0"/>
+            <a:ext cx="2971800" cy="457200"/>
+          </a:xfrm>
+          <a:prstGeom prst="rect">
+            <a:avLst/>
+          </a:prstGeom>
+        </p:spPr>
+        <p:txBody>
+          <a:bodyPr vert="horz" lIns="91440" tIns="45720" rIns="91440" bIns="45720" rtlCol="0"/>
+          <a:lstStyle>
+            <a:lvl1pPr algn="l">
+              <a:defRPr sz="1200"/>
+            </a:lvl1pPr>
+          </a:lstStyle>
+          <a:p>
+            <a:endParaRPr lang="en-US"/>
+          </a:p>
+        </p:txBody>
+      </p:sp>
+      <p:sp>
+        <p:nvSpPr>
+          <p:cNvPr id="3" name="Date Placeholder 2"/>
+          <p:cNvSpPr>
+            <a:spLocks noGrp="1"/>
+          </p:cNvSpPr>
+          <p:nvPr>
+            <p:ph type="dt" idx="1"/>
+          </p:nvPr>
+        </p:nvSpPr>
+        <p:spPr>
+          <a:xfrm>
+            <a:off x="3884613" y="0"/>
+            <a:ext cx="2971800" cy="457200"/>
+          </a:xfrm>
+          <a:prstGeom prst="rect">
+            <a:avLst/>
+          </a:prstGeom>
+        </p:spPr>
+        <p:txBody>
+          <a:bodyPr vert="horz" lIns="91440" tIns="45720" rIns="91440" bIns="45720" rtlCol="0"/>
+          <a:lstStyle>
+            <a:lvl1pPr algn="r">
+              <a:defRPr sz="1200"/>
+            </a:lvl1pPr>
+          </a:lstStyle>
+          <a:p>
+            <a:fld id="{10A406EC-91DF-4EAF-8A1B-9842F57267F9}" type="datetimeFigureOut">
+              <a:rPr lang="en-US" smtClean="0"/>
+              <a:t>8/26/2010</a:t>
+            </a:fld>
+            <a:endParaRPr lang="en-US"/>
+          </a:p>
+        </p:txBody>
+      </p:sp>
+      <p:sp>
+        <p:nvSpPr>
+          <p:cNvPr id="4" name="Slide Image Placeholder 3"/>
+          <p:cNvSpPr>
+            <a:spLocks noGrp="1" noRot="1" noChangeAspect="1"/>
+          </p:cNvSpPr>
+          <p:nvPr>
+            <p:ph type="sldImg" idx="2"/>
+          </p:nvPr>
+        </p:nvSpPr>
+        <p:spPr>
+          <a:xfrm>
+            <a:off x="1143000" y="685800"/>
+            <a:ext cx="4572000" cy="3429000"/>
+          </a:xfrm>
+          <a:prstGeom prst="rect">
+            <a:avLst/>
+          </a:prstGeom>
+          <a:noFill/>
+          <a:ln w="12700">
+            <a:solidFill>
+              <a:prstClr val="black"/>
+            </a:solidFill>
+          </a:ln>
+        </p:spPr>
+        <p:txBody>
+          <a:bodyPr vert="horz" lIns="91440" tIns="45720" rIns="91440" bIns="45720" rtlCol="0" anchor="ctr"/>
+          <a:lstStyle/>
+          <a:p>
+            <a:endParaRPr lang="en-US"/>
+          </a:p>
+        </p:txBody>
+      </p:sp>
+      <p:sp>
+        <p:nvSpPr>
+          <p:cNvPr id="5" name="Notes Placeholder 4"/>
+          <p:cNvSpPr>
+            <a:spLocks noGrp="1"/>
+          </p:cNvSpPr>
+          <p:nvPr>
+            <p:ph type="body" sz="quarter" idx="3"/>
+          </p:nvPr>
+        </p:nvSpPr>
+        <p:spPr>
+          <a:xfrm>
+            <a:off x="685800" y="4343400"/>
+            <a:ext cx="5486400" cy="4114800"/>
+          </a:xfrm>
+          <a:prstGeom prst="rect">
+            <a:avLst/>
+          </a:prstGeom>
+        </p:spPr>
+        <p:txBody>
+          <a:bodyPr vert="horz" lIns="91440" tIns="45720" rIns="91440" bIns="45720" rtlCol="0"/>
+          <a:lstStyle/>
+          <a:p>
+            <a:pPr lvl="0"/>
+            <a:r>
+              <a:rPr lang="en-US" smtClean="0"/>
+              <a:t>Click to edit Master text styles</a:t>
+            </a:r>
+          </a:p>
+          <a:p>
+            <a:pPr lvl="1"/>
+            <a:r>
+              <a:rPr lang="en-US" smtClean="0"/>
+              <a:t>Second level</a:t>
+            </a:r>
+          </a:p>
+          <a:p>
+            <a:pPr lvl="2"/>
+            <a:r>
+              <a:rPr lang="en-US" smtClean="0"/>
+              <a:t>Third level</a:t>
+            </a:r>
+          </a:p>
+          <a:p>
+            <a:pPr lvl="3"/>
+            <a:r>
+              <a:rPr lang="en-US" smtClean="0"/>
+              <a:t>Fourth level</a:t>
+            </a:r>
+          </a:p>
+          <a:p>
+            <a:pPr lvl="4"/>
+            <a:r>
+              <a:rPr lang="en-US" smtClean="0"/>
+              <a:t>Fifth level</a:t>
+            </a:r>
+            <a:endParaRPr lang="en-US"/>
+          </a:p>
+        </p:txBody>
+      </p:sp>
+      <p:sp>
+        <p:nvSpPr>
+          <p:cNvPr id="6" name="Footer Placeholder 5"/>
+          <p:cNvSpPr>
+            <a:spLocks noGrp="1"/>
+          </p:cNvSpPr>
+          <p:nvPr>
+            <p:ph type="ftr" sz="quarter" idx="4"/>
+          </p:nvPr>
+        </p:nvSpPr>
+        <p:spPr>
+          <a:xfrm>
+            <a:off x="0" y="8685213"/>
+            <a:ext cx="2971800" cy="457200"/>
+          </a:xfrm>
+          <a:prstGeom prst="rect">
+            <a:avLst/>
+          </a:prstGeom>
+        </p:spPr>
+        <p:txBody>
+          <a:bodyPr vert="horz" lIns="91440" tIns="45720" rIns="91440" bIns="45720" rtlCol="0" anchor="b"/>
+          <a:lstStyle>
+            <a:lvl1pPr algn="l">
+              <a:defRPr sz="1200"/>
+            </a:lvl1pPr>
+          </a:lstStyle>
+          <a:p>
+            <a:endParaRPr lang="en-US"/>
+          </a:p>
+        </p:txBody>
+      </p:sp>
+      <p:sp>
+        <p:nvSpPr>
+          <p:cNvPr id="7" name="Slide Number Placeholder 6"/>
+          <p:cNvSpPr>
+            <a:spLocks noGrp="1"/>
+          </p:cNvSpPr>
+          <p:nvPr>
+            <p:ph type="sldNum" sz="quarter" idx="5"/>
+          </p:nvPr>
+        </p:nvSpPr>
+        <p:spPr>
+          <a:xfrm>
+            <a:off x="3884613" y="8685213"/>
+            <a:ext cx="2971800" cy="457200"/>
+          </a:xfrm>
+          <a:prstGeom prst="rect">
+            <a:avLst/>
+          </a:prstGeom>
+        </p:spPr>
+        <p:txBody>
+          <a:bodyPr vert="horz" lIns="91440" tIns="45720" rIns="91440" bIns="45720" rtlCol="0" anchor="b"/>
+          <a:lstStyle>
+            <a:lvl1pPr algn="r">
+              <a:defRPr sz="1200"/>
+            </a:lvl1pPr>
+          </a:lstStyle>
+          <a:p>
+            <a:fld id="{F9038DF4-9DF2-47DC-8E83-7FCFB3429243}" type="slidenum">
+              <a:rPr lang="en-US" smtClean="0"/>
+              <a:t>‹#›</a:t>
+            </a:fld>
+            <a:endParaRPr lang="en-US"/>
+          </a:p>
+        </p:txBody>
+      </p:sp>
+    </p:spTree>
+    <p:extLst>
+      <p:ext uri="{BB962C8B-B14F-4D97-AF65-F5344CB8AC3E}">
+        <p14:creationId xmlns:p14="http://schemas.microsoft.com/office/powerpoint/2010/main" val="4181178755"/>
+      </p:ext>
+    </p:extLst>
+  </p:cSld>
+  <p:clrMap bg1="lt1" tx1="dk1" bg2="lt2" tx2="dk2" accent1="accent1" accent2="accent2" accent3="accent3" accent4="accent4" accent5="accent5" accent6="accent6" hlink="hlink" folHlink="folHlink"/>
+  <p:notesStyle>
+    <a:lvl1pPr marL="0" algn="l" defTabSz="914400" rtl="0" eaLnBrk="1" latinLnBrk="0" hangingPunct="1">
+      <a:defRPr sz="1200" kern="1200">
+        <a:solidFill>
+          <a:schemeClr val="tx1"/>
+        </a:solidFill>
+        <a:latin typeface="+mn-lt"/>
+        <a:ea typeface="+mn-ea"/>
+        <a:cs typeface="+mn-cs"/>
+      </a:defRPr>
+    </a:lvl1pPr>
+    <a:lvl2pPr marL="457200" algn="l" defTabSz="914400" rtl="0" eaLnBrk="1" latinLnBrk="0" hangingPunct="1">
+      <a:defRPr sz="1200" kern="1200">
+        <a:solidFill>
+          <a:schemeClr val="tx1"/>
+        </a:solidFill>
+        <a:latin typeface="+mn-lt"/>
+        <a:ea typeface="+mn-ea"/>
+        <a:cs typeface="+mn-cs"/>
+      </a:defRPr>
+    </a:lvl2pPr>
+    <a:lvl3pPr marL="914400" algn="l" defTabSz="914400" rtl="0" eaLnBrk="1" latinLnBrk="0" hangingPunct="1">
+      <a:defRPr sz="1200" kern="1200">
+        <a:solidFill>
+          <a:schemeClr val="tx1"/>
+        </a:solidFill>
+        <a:latin typeface="+mn-lt"/>
+        <a:ea typeface="+mn-ea"/>
+        <a:cs typeface="+mn-cs"/>
+      </a:defRPr>
+    </a:lvl3pPr>
+    <a:lvl4pPr marL="1371600" algn="l" defTabSz="914400" rtl="0" eaLnBrk="1" latinLnBrk="0" hangingPunct="1">
+      <a:defRPr sz="1200" kern="1200">
+        <a:solidFill>
+          <a:schemeClr val="tx1"/>
+        </a:solidFill>
+        <a:latin typeface="+mn-lt"/>
+        <a:ea typeface="+mn-ea"/>
+        <a:cs typeface="+mn-cs"/>
+      </a:defRPr>
+    </a:lvl4pPr>
+    <a:lvl5pPr marL="1828800" algn="l" defTabSz="914400" rtl="0" eaLnBrk="1" latinLnBrk="0" hangingPunct="1">
+      <a:defRPr sz="1200" kern="1200">
+        <a:solidFill>
+          <a:schemeClr val="tx1"/>
+        </a:solidFill>
+        <a:latin typeface="+mn-lt"/>
+        <a:ea typeface="+mn-ea"/>
+        <a:cs typeface="+mn-cs"/>
+      </a:defRPr>
+    </a:lvl5pPr>
+    <a:lvl6pPr marL="2286000" algn="l" defTabSz="914400" rtl="0" eaLnBrk="1" latinLnBrk="0" hangingPunct="1">
+      <a:defRPr sz="1200" kern="1200">
+        <a:solidFill>
+          <a:schemeClr val="tx1"/>
+        </a:solidFill>
+        <a:latin typeface="+mn-lt"/>
+        <a:ea typeface="+mn-ea"/>
+        <a:cs typeface="+mn-cs"/>
+      </a:defRPr>
+    </a:lvl6pPr>
+    <a:lvl7pPr marL="2743200" algn="l" defTabSz="914400" rtl="0" eaLnBrk="1" latinLnBrk="0" hangingPunct="1">
+      <a:defRPr sz="1200" kern="1200">
+        <a:solidFill>
+          <a:schemeClr val="tx1"/>
+        </a:solidFill>
+        <a:latin typeface="+mn-lt"/>
+        <a:ea typeface="+mn-ea"/>
+        <a:cs typeface="+mn-cs"/>
+      </a:defRPr>
+    </a:lvl7pPr>
+    <a:lvl8pPr marL="3200400" algn="l" defTabSz="914400" rtl="0" eaLnBrk="1" latinLnBrk="0" hangingPunct="1">
+      <a:defRPr sz="1200" kern="1200">
+        <a:solidFill>
+          <a:schemeClr val="tx1"/>
+        </a:solidFill>
+        <a:latin typeface="+mn-lt"/>
+        <a:ea typeface="+mn-ea"/>
+        <a:cs typeface="+mn-cs"/>
+      </a:defRPr>
+    </a:lvl8pPr>
+    <a:lvl9pPr marL="3657600" algn="l" defTabSz="914400" rtl="0" eaLnBrk="1" latinLnBrk="0" hangingPunct="1">
+      <a:defRPr sz="1200" kern="1200">
+        <a:solidFill>
+          <a:schemeClr val="tx1"/>
+        </a:solidFill>
+        <a:latin typeface="+mn-lt"/>
+        <a:ea typeface="+mn-ea"/>
+        <a:cs typeface="+mn-cs"/>
+      </a:defRPr>
+    </a:lvl9pPr>
+  </p:notesStyle>
+</p:notesMaster>
+</file>
+
+<file path=ppt/notesSlides/notesSlide1.xml><?xml version="1.0" encoding="utf-8"?>
+<p:notes xmlns:a="http://schemas.openxmlformats.org/drawingml/2006/main" xmlns:r="http://schemas.openxmlformats.org/officeDocument/2006/relationships" xmlns:p="http://schemas.openxmlformats.org/presentationml/2006/main">
+  <p:cSld>
+    <p:spTree>
+      <p:nvGrpSpPr>
+        <p:cNvPr id="1" name=""/>
+        <p:cNvGrpSpPr/>
+        <p:nvPr/>
+      </p:nvGrpSpPr>
+      <p:grpSpPr>
+        <a:xfrm>
+          <a:off x="0" y="0"/>
+          <a:ext cx="0" cy="0"/>
+          <a:chOff x="0" y="0"/>
+          <a:chExt cx="0" cy="0"/>
+        </a:xfrm>
+      </p:grpSpPr>
+      <p:sp>
+        <p:nvSpPr>
+          <p:cNvPr id="2" name="Slide Image Placeholder 1"/>
+          <p:cNvSpPr>
+            <a:spLocks noGrp="1" noRot="1" noChangeAspect="1"/>
+          </p:cNvSpPr>
+          <p:nvPr>
+            <p:ph type="sldImg"/>
+          </p:nvPr>
+        </p:nvSpPr>
+        <p:spPr/>
+      </p:sp>
+      <p:sp>
+        <p:nvSpPr>
+          <p:cNvPr id="3" name="Notes Placeholder 2"/>
+          <p:cNvSpPr>
+            <a:spLocks noGrp="1"/>
+          </p:cNvSpPr>
+          <p:nvPr>
+            <p:ph type="body" idx="1"/>
+          </p:nvPr>
+        </p:nvSpPr>
+        <p:spPr/>
+        <p:txBody>
+          <a:bodyPr/>
+          <a:lstStyle/>
+          <a:p>
+            <a:endParaRPr lang="en-US" dirty="0"/>
+          </a:p>
+        </p:txBody>
+      </p:sp>
+      <p:sp>
+        <p:nvSpPr>
+          <p:cNvPr id="4" name="Slide Number Placeholder 3"/>
+          <p:cNvSpPr>
+            <a:spLocks noGrp="1"/>
+          </p:cNvSpPr>
+          <p:nvPr>
+            <p:ph type="sldNum" sz="quarter" idx="10"/>
+          </p:nvPr>
+        </p:nvSpPr>
+        <p:spPr/>
+        <p:txBody>
+          <a:bodyPr/>
+          <a:lstStyle/>
+          <a:p>
+            <a:fld id="{F9038DF4-9DF2-47DC-8E83-7FCFB3429243}" type="slidenum">
+              <a:rPr lang="en-US" smtClean="0"/>
+              <a:t>2</a:t>
+            </a:fld>
+            <a:endParaRPr lang="en-US"/>
+          </a:p>
+        </p:txBody>
+      </p:sp>
+    </p:spTree>
+    <p:extLst>
+      <p:ext uri="{BB962C8B-B14F-4D97-AF65-F5344CB8AC3E}">
+        <p14:creationId xmlns:p14="http://schemas.microsoft.com/office/powerpoint/2010/main" val="982768302"/>
+      </p:ext>
+    </p:extLst>
+  </p:cSld>
+  <p:clrMapOvr>
+    <a:masterClrMapping/>
+  </p:clrMapOvr>
+</p:notes>
+</file>
+
+<file path=ppt/notesSlides/notesSlide2.xml><?xml version="1.0" encoding="utf-8"?>
+<p:notes xmlns:a="http://schemas.openxmlformats.org/drawingml/2006/main" xmlns:r="http://schemas.openxmlformats.org/officeDocument/2006/relationships" xmlns:p="http://schemas.openxmlformats.org/presentationml/2006/main">
+  <p:cSld>
+    <p:spTree>
+      <p:nvGrpSpPr>
+        <p:cNvPr id="1" name=""/>
+        <p:cNvGrpSpPr/>
+        <p:nvPr/>
+      </p:nvGrpSpPr>
+      <p:grpSpPr>
+        <a:xfrm>
+          <a:off x="0" y="0"/>
+          <a:ext cx="0" cy="0"/>
+          <a:chOff x="0" y="0"/>
+          <a:chExt cx="0" cy="0"/>
+        </a:xfrm>
+      </p:grpSpPr>
+      <p:sp>
+        <p:nvSpPr>
+          <p:cNvPr id="2" name="Slide Image Placeholder 1"/>
+          <p:cNvSpPr>
+            <a:spLocks noGrp="1" noRot="1" noChangeAspect="1"/>
+          </p:cNvSpPr>
+          <p:nvPr>
+            <p:ph type="sldImg"/>
+          </p:nvPr>
+        </p:nvSpPr>
+        <p:spPr/>
+      </p:sp>
+      <p:sp>
+        <p:nvSpPr>
+          <p:cNvPr id="3" name="Notes Placeholder 2"/>
+          <p:cNvSpPr>
+            <a:spLocks noGrp="1"/>
+          </p:cNvSpPr>
+          <p:nvPr>
+            <p:ph type="body" idx="1"/>
+          </p:nvPr>
+        </p:nvSpPr>
+        <p:spPr/>
+        <p:txBody>
+          <a:bodyPr/>
+          <a:lstStyle/>
+          <a:p>
+            <a:endParaRPr lang="en-US" dirty="0"/>
+          </a:p>
+        </p:txBody>
+      </p:sp>
+      <p:sp>
+        <p:nvSpPr>
+          <p:cNvPr id="4" name="Slide Number Placeholder 3"/>
+          <p:cNvSpPr>
+            <a:spLocks noGrp="1"/>
+          </p:cNvSpPr>
+          <p:nvPr>
+            <p:ph type="sldNum" sz="quarter" idx="10"/>
+          </p:nvPr>
+        </p:nvSpPr>
+        <p:spPr/>
+        <p:txBody>
+          <a:bodyPr/>
+          <a:lstStyle/>
+          <a:p>
+            <a:fld id="{F9038DF4-9DF2-47DC-8E83-7FCFB3429243}" type="slidenum">
+              <a:rPr lang="en-US" smtClean="0"/>
+              <a:t>4</a:t>
+            </a:fld>
+            <a:endParaRPr lang="en-US"/>
+          </a:p>
+        </p:txBody>
+      </p:sp>
+    </p:spTree>
+    <p:extLst>
+      <p:ext uri="{BB962C8B-B14F-4D97-AF65-F5344CB8AC3E}">
+        <p14:creationId xmlns:p14="http://schemas.microsoft.com/office/powerpoint/2010/main" val="982768302"/>
+      </p:ext>
+    </p:extLst>
+  </p:cSld>
+  <p:clrMapOvr>
+    <a:masterClrMapping/>
+  </p:clrMapOvr>
+</p:notes>
+</file>
+
 <file path=ppt/slideLayouts/slideLayout1.xml><?xml version="1.0" encoding="utf-8"?>
 <p:sldLayout xmlns:a="http://schemas.openxmlformats.org/drawingml/2006/main" xmlns:r="http://schemas.openxmlformats.org/officeDocument/2006/relationships" xmlns:p="http://schemas.openxmlformats.org/presentationml/2006/main" type="title" preserve="1">
   <p:cSld name="Titeldias">
@@ -290,7 +812,7 @@
           <a:p>
             <a:fld id="{581C252B-3897-4632-B10A-88C9D804001B}" type="datetimeFigureOut">
               <a:rPr lang="da-DK" smtClean="0"/>
-              <a:t>25-08-2010</a:t>
+              <a:t>26-08-2010</a:t>
             </a:fld>
             <a:endParaRPr lang="en-US"/>
           </a:p>
@@ -455,7 +977,7 @@
           <a:p>
             <a:fld id="{581C252B-3897-4632-B10A-88C9D804001B}" type="datetimeFigureOut">
               <a:rPr lang="da-DK" smtClean="0"/>
-              <a:t>25-08-2010</a:t>
+              <a:t>26-08-2010</a:t>
             </a:fld>
             <a:endParaRPr lang="en-US"/>
           </a:p>
@@ -630,7 +1152,7 @@
           <a:p>
             <a:fld id="{581C252B-3897-4632-B10A-88C9D804001B}" type="datetimeFigureOut">
               <a:rPr lang="da-DK" smtClean="0"/>
-              <a:t>25-08-2010</a:t>
+              <a:t>26-08-2010</a:t>
             </a:fld>
             <a:endParaRPr lang="en-US"/>
           </a:p>
@@ -795,7 +1317,7 @@
           <a:p>
             <a:fld id="{581C252B-3897-4632-B10A-88C9D804001B}" type="datetimeFigureOut">
               <a:rPr lang="da-DK" smtClean="0"/>
-              <a:t>25-08-2010</a:t>
+              <a:t>26-08-2010</a:t>
             </a:fld>
             <a:endParaRPr lang="en-US"/>
           </a:p>
@@ -1036,7 +1558,7 @@
           <a:p>
             <a:fld id="{581C252B-3897-4632-B10A-88C9D804001B}" type="datetimeFigureOut">
               <a:rPr lang="da-DK" smtClean="0"/>
-              <a:t>25-08-2010</a:t>
+              <a:t>26-08-2010</a:t>
             </a:fld>
             <a:endParaRPr lang="en-US"/>
           </a:p>
@@ -1319,7 +1841,7 @@
           <a:p>
             <a:fld id="{581C252B-3897-4632-B10A-88C9D804001B}" type="datetimeFigureOut">
               <a:rPr lang="da-DK" smtClean="0"/>
-              <a:t>25-08-2010</a:t>
+              <a:t>26-08-2010</a:t>
             </a:fld>
             <a:endParaRPr lang="en-US"/>
           </a:p>
@@ -1736,7 +2258,7 @@
           <a:p>
             <a:fld id="{581C252B-3897-4632-B10A-88C9D804001B}" type="datetimeFigureOut">
               <a:rPr lang="da-DK" smtClean="0"/>
-              <a:t>25-08-2010</a:t>
+              <a:t>26-08-2010</a:t>
             </a:fld>
             <a:endParaRPr lang="en-US"/>
           </a:p>
@@ -1849,7 +2371,7 @@
           <a:p>
             <a:fld id="{581C252B-3897-4632-B10A-88C9D804001B}" type="datetimeFigureOut">
               <a:rPr lang="da-DK" smtClean="0"/>
-              <a:t>25-08-2010</a:t>
+              <a:t>26-08-2010</a:t>
             </a:fld>
             <a:endParaRPr lang="en-US"/>
           </a:p>
@@ -1939,7 +2461,7 @@
           <a:p>
             <a:fld id="{581C252B-3897-4632-B10A-88C9D804001B}" type="datetimeFigureOut">
               <a:rPr lang="da-DK" smtClean="0"/>
-              <a:t>25-08-2010</a:t>
+              <a:t>26-08-2010</a:t>
             </a:fld>
             <a:endParaRPr lang="en-US"/>
           </a:p>
@@ -2211,7 +2733,7 @@
           <a:p>
             <a:fld id="{581C252B-3897-4632-B10A-88C9D804001B}" type="datetimeFigureOut">
               <a:rPr lang="da-DK" smtClean="0"/>
-              <a:t>25-08-2010</a:t>
+              <a:t>26-08-2010</a:t>
             </a:fld>
             <a:endParaRPr lang="en-US"/>
           </a:p>
@@ -2459,7 +2981,7 @@
           <a:p>
             <a:fld id="{581C252B-3897-4632-B10A-88C9D804001B}" type="datetimeFigureOut">
               <a:rPr lang="da-DK" smtClean="0"/>
-              <a:t>25-08-2010</a:t>
+              <a:t>26-08-2010</a:t>
             </a:fld>
             <a:endParaRPr lang="en-US"/>
           </a:p>
@@ -2667,7 +3189,7 @@
           <a:p>
             <a:fld id="{581C252B-3897-4632-B10A-88C9D804001B}" type="datetimeFigureOut">
               <a:rPr lang="da-DK" smtClean="0"/>
-              <a:t>25-08-2010</a:t>
+              <a:t>26-08-2010</a:t>
             </a:fld>
             <a:endParaRPr lang="en-US"/>
           </a:p>
@@ -3084,20 +3606,44 @@
           <a:p>
             <a:r>
               <a:rPr lang="en-US" dirty="0" smtClean="0"/>
-              <a:t>Workflow</a:t>
-            </a:r>
-          </a:p>
-          <a:p>
+              <a:t>Workflow/Data Workflow</a:t>
+            </a:r>
+          </a:p>
+          <a:p>
+            <a:pPr lvl="1"/>
             <a:r>
               <a:rPr lang="en-US" dirty="0" smtClean="0"/>
-              <a:t>Data Workflow</a:t>
-            </a:r>
-          </a:p>
-          <a:p>
+              <a:t>Data Capturing</a:t>
+            </a:r>
+          </a:p>
+          <a:p>
+            <a:pPr lvl="1"/>
             <a:r>
               <a:rPr lang="en-US" dirty="0" smtClean="0"/>
-              <a:t>Client-Server System</a:t>
-            </a:r>
+              <a:t>Connection, Context, Node</a:t>
+            </a:r>
+          </a:p>
+          <a:p>
+            <a:pPr lvl="1"/>
+            <a:r>
+              <a:rPr lang="en-US" dirty="0" smtClean="0"/>
+              <a:t>Analysis, Search/Sort, Profile Link</a:t>
+            </a:r>
+            <a:endParaRPr lang="en-US" dirty="0" smtClean="0"/>
+          </a:p>
+          <a:p>
+            <a:r>
+              <a:rPr lang="en-US" dirty="0" smtClean="0"/>
+              <a:t>Client Server / Closed Hypermedia System</a:t>
+            </a:r>
+          </a:p>
+          <a:p>
+            <a:pPr lvl="1"/>
+            <a:r>
+              <a:rPr lang="en-US" dirty="0" smtClean="0"/>
+              <a:t>Using the WWW</a:t>
+            </a:r>
+            <a:endParaRPr lang="en-US" dirty="0" smtClean="0"/>
           </a:p>
           <a:p>
             <a:r>
@@ -3109,8 +3655,13 @@
             <a:pPr lvl="1"/>
             <a:r>
               <a:rPr lang="en-US" dirty="0" smtClean="0"/>
-              <a:t>HTTP Request</a:t>
-            </a:r>
+              <a:t>HTTP </a:t>
+            </a:r>
+            <a:r>
+              <a:rPr lang="en-US" dirty="0" smtClean="0"/>
+              <a:t>get Requests</a:t>
+            </a:r>
+            <a:endParaRPr lang="en-US" dirty="0" smtClean="0"/>
           </a:p>
           <a:p>
             <a:r>
@@ -3168,7 +3719,11 @@
           <a:p>
             <a:r>
               <a:rPr lang="en-US" dirty="0" smtClean="0"/>
-              <a:t>Knowledge Management Workflow</a:t>
+              <a:t>Knowledge Management </a:t>
+            </a:r>
+            <a:r>
+              <a:rPr lang="en-US" dirty="0" smtClean="0"/>
+              <a:t>Workflow</a:t>
             </a:r>
             <a:endParaRPr lang="en-US" dirty="0"/>
           </a:p>
@@ -3187,41 +3742,83 @@
         <p:spPr>
           <a:xfrm>
             <a:off x="457200" y="1600200"/>
-            <a:ext cx="8229600" cy="4997152"/>
+            <a:ext cx="8229600" cy="5257800"/>
           </a:xfrm>
         </p:spPr>
         <p:txBody>
           <a:bodyPr>
-            <a:normAutofit/>
+            <a:normAutofit lnSpcReduction="10000"/>
           </a:bodyPr>
           <a:lstStyle/>
           <a:p>
             <a:r>
               <a:rPr lang="en-US" dirty="0" smtClean="0"/>
-              <a:t>Hypertext</a:t>
-            </a:r>
-          </a:p>
-          <a:p>
+              <a:t>Social Network Analysis</a:t>
+            </a:r>
+          </a:p>
+          <a:p>
+            <a:pPr lvl="1"/>
             <a:r>
               <a:rPr lang="en-US" dirty="0" smtClean="0"/>
-              <a:t>Twitter API</a:t>
+              <a:t>Knowledge from user social activity</a:t>
             </a:r>
           </a:p>
           <a:p>
             <a:r>
               <a:rPr lang="en-US" dirty="0" smtClean="0"/>
-              <a:t>HTTP Request</a:t>
+              <a:t>Knowledge form people</a:t>
             </a:r>
           </a:p>
           <a:p>
             <a:pPr lvl="1"/>
             <a:r>
               <a:rPr lang="en-US" dirty="0" smtClean="0"/>
-              <a:t>Limited</a:t>
-            </a:r>
-          </a:p>
-          <a:p>
-            <a:endParaRPr lang="en-US" dirty="0" smtClean="0"/>
+              <a:t>Status updates</a:t>
+            </a:r>
+          </a:p>
+          <a:p>
+            <a:pPr lvl="1"/>
+            <a:r>
+              <a:rPr lang="en-US" dirty="0" smtClean="0"/>
+              <a:t>Public comments</a:t>
+            </a:r>
+          </a:p>
+          <a:p>
+            <a:pPr lvl="1"/>
+            <a:r>
+              <a:rPr lang="en-US" dirty="0" smtClean="0"/>
+              <a:t>Public group conversations</a:t>
+            </a:r>
+          </a:p>
+          <a:p>
+            <a:r>
+              <a:rPr lang="en-US" dirty="0" smtClean="0"/>
+              <a:t>Knowledge acquired</a:t>
+            </a:r>
+          </a:p>
+          <a:p>
+            <a:pPr lvl="1"/>
+            <a:r>
+              <a:rPr lang="en-US" dirty="0" smtClean="0"/>
+              <a:t>Nodes of connection</a:t>
+            </a:r>
+          </a:p>
+          <a:p>
+            <a:pPr lvl="1"/>
+            <a:r>
+              <a:rPr lang="en-US" dirty="0" smtClean="0"/>
+              <a:t>Sorted Relevant Tweets </a:t>
+            </a:r>
+          </a:p>
+          <a:p>
+            <a:pPr lvl="1"/>
+            <a:r>
+              <a:rPr lang="en-US" dirty="0" smtClean="0"/>
+              <a:t>Pattern Detection</a:t>
+            </a:r>
+          </a:p>
+          <a:p>
+            <a:endParaRPr lang="en-US" dirty="0"/>
           </a:p>
           <a:p>
             <a:endParaRPr lang="en-US" dirty="0" smtClean="0"/>
@@ -3231,7 +3828,7 @@
     </p:spTree>
     <p:extLst>
       <p:ext uri="{BB962C8B-B14F-4D97-AF65-F5344CB8AC3E}">
-        <p14:creationId xmlns:p14="http://schemas.microsoft.com/office/powerpoint/2010/main" val="3844842241"/>
+        <p14:creationId xmlns:p14="http://schemas.microsoft.com/office/powerpoint/2010/main" val="1184956677"/>
       </p:ext>
     </p:extLst>
   </p:cSld>
@@ -3275,7 +3872,139 @@
           <a:p>
             <a:r>
               <a:rPr lang="en-US" dirty="0" smtClean="0"/>
-              <a:t>Knowledge Management Process</a:t>
+              <a:t>Further Development </a:t>
+            </a:r>
+            <a:endParaRPr lang="en-US" dirty="0"/>
+          </a:p>
+        </p:txBody>
+      </p:sp>
+      <p:sp>
+        <p:nvSpPr>
+          <p:cNvPr id="3" name="Pladsholder til indhold 2"/>
+          <p:cNvSpPr>
+            <a:spLocks noGrp="1"/>
+          </p:cNvSpPr>
+          <p:nvPr>
+            <p:ph idx="1"/>
+          </p:nvPr>
+        </p:nvSpPr>
+        <p:spPr/>
+        <p:txBody>
+          <a:bodyPr/>
+          <a:lstStyle/>
+          <a:p>
+            <a:r>
+              <a:rPr lang="en-US" dirty="0" smtClean="0"/>
+              <a:t>Improve Search / Sort</a:t>
+            </a:r>
+          </a:p>
+          <a:p>
+            <a:pPr lvl="1"/>
+            <a:r>
+              <a:rPr lang="en-US" dirty="0"/>
+              <a:t>Natural Language </a:t>
+            </a:r>
+            <a:r>
+              <a:rPr lang="en-US" dirty="0" smtClean="0"/>
+              <a:t>Processing</a:t>
+            </a:r>
+          </a:p>
+          <a:p>
+            <a:r>
+              <a:rPr lang="en-US" dirty="0" smtClean="0"/>
+              <a:t>Improve Awareness</a:t>
+            </a:r>
+          </a:p>
+          <a:p>
+            <a:pPr lvl="1"/>
+            <a:r>
+              <a:rPr lang="en-US" dirty="0" smtClean="0"/>
+              <a:t>Node Connections</a:t>
+            </a:r>
+          </a:p>
+          <a:p>
+            <a:pPr lvl="2"/>
+            <a:r>
+              <a:rPr lang="en-US" dirty="0" smtClean="0"/>
+              <a:t>Closeness, other Node Patterns</a:t>
+            </a:r>
+            <a:endParaRPr lang="en-US" dirty="0" smtClean="0"/>
+          </a:p>
+          <a:p>
+            <a:pPr lvl="1"/>
+            <a:r>
+              <a:rPr lang="en-US" dirty="0" smtClean="0"/>
+              <a:t>Graphical Representation of Connections</a:t>
+            </a:r>
+            <a:endParaRPr lang="en-US" dirty="0"/>
+          </a:p>
+          <a:p>
+            <a:r>
+              <a:rPr lang="en-US" dirty="0" smtClean="0"/>
+              <a:t>Add Advanced Crawling</a:t>
+            </a:r>
+          </a:p>
+          <a:p>
+            <a:r>
+              <a:rPr lang="en-US" dirty="0" smtClean="0"/>
+              <a:t>Circumvent API Limitations</a:t>
+            </a:r>
+          </a:p>
+          <a:p>
+            <a:endParaRPr lang="en-US" dirty="0"/>
+          </a:p>
+        </p:txBody>
+      </p:sp>
+    </p:spTree>
+    <p:extLst>
+      <p:ext uri="{BB962C8B-B14F-4D97-AF65-F5344CB8AC3E}">
+        <p14:creationId xmlns:p14="http://schemas.microsoft.com/office/powerpoint/2010/main" val="4103848752"/>
+      </p:ext>
+    </p:extLst>
+  </p:cSld>
+  <p:clrMapOvr>
+    <a:masterClrMapping/>
+  </p:clrMapOvr>
+</p:sld>
+</file>
+
+<file path=ppt/slides/slide4.xml><?xml version="1.0" encoding="utf-8"?>
+<p:sld xmlns:a="http://schemas.openxmlformats.org/drawingml/2006/main" xmlns:r="http://schemas.openxmlformats.org/officeDocument/2006/relationships" xmlns:p="http://schemas.openxmlformats.org/presentationml/2006/main">
+  <p:cSld>
+    <p:spTree>
+      <p:nvGrpSpPr>
+        <p:cNvPr id="1" name=""/>
+        <p:cNvGrpSpPr/>
+        <p:nvPr/>
+      </p:nvGrpSpPr>
+      <p:grpSpPr>
+        <a:xfrm>
+          <a:off x="0" y="0"/>
+          <a:ext cx="0" cy="0"/>
+          <a:chOff x="0" y="0"/>
+          <a:chExt cx="0" cy="0"/>
+        </a:xfrm>
+      </p:grpSpPr>
+      <p:sp>
+        <p:nvSpPr>
+          <p:cNvPr id="2" name="Titel 1"/>
+          <p:cNvSpPr>
+            <a:spLocks noGrp="1"/>
+          </p:cNvSpPr>
+          <p:nvPr>
+            <p:ph type="title"/>
+          </p:nvPr>
+        </p:nvSpPr>
+        <p:spPr/>
+        <p:txBody>
+          <a:bodyPr>
+            <a:normAutofit/>
+          </a:bodyPr>
+          <a:lstStyle/>
+          <a:p>
+            <a:r>
+              <a:rPr lang="en-US" dirty="0"/>
+              <a:t>Further Development </a:t>
             </a:r>
             <a:endParaRPr lang="en-US" dirty="0"/>
           </a:p>
@@ -3304,18 +4033,75 @@
           <a:lstStyle/>
           <a:p>
             <a:r>
+              <a:rPr lang="en-US" dirty="0"/>
+              <a:t>Computer supported cooperative </a:t>
+            </a:r>
+            <a:r>
               <a:rPr lang="en-US" dirty="0" smtClean="0"/>
-              <a:t>Social Network </a:t>
-            </a:r>
+              <a:t>work</a:t>
+            </a:r>
+          </a:p>
+          <a:p>
+            <a:pPr lvl="1"/>
             <a:r>
               <a:rPr lang="en-US" dirty="0" smtClean="0"/>
-              <a:t>Analysis</a:t>
-            </a:r>
-          </a:p>
-          <a:p>
+              <a:t>Several Analysts</a:t>
+            </a:r>
             <a:endParaRPr lang="en-US" dirty="0"/>
           </a:p>
           <a:p>
+            <a:pPr lvl="1"/>
+            <a:r>
+              <a:rPr lang="en-US" dirty="0" smtClean="0"/>
+              <a:t>Human Improved Search and Pattern Recognition</a:t>
+            </a:r>
+          </a:p>
+          <a:p>
+            <a:pPr lvl="1"/>
+            <a:r>
+              <a:rPr lang="en-US" dirty="0" smtClean="0"/>
+              <a:t>Human Improved AI, reward system</a:t>
+            </a:r>
+          </a:p>
+          <a:p>
+            <a:r>
+              <a:rPr lang="en-US" dirty="0" smtClean="0"/>
+              <a:t>Cooperation system</a:t>
+            </a:r>
+          </a:p>
+          <a:p>
+            <a:pPr lvl="1"/>
+            <a:r>
+              <a:rPr lang="en-US" dirty="0" smtClean="0"/>
+              <a:t>Storing the knowledge</a:t>
+            </a:r>
+          </a:p>
+          <a:p>
+            <a:pPr lvl="1"/>
+            <a:r>
+              <a:rPr lang="en-US" dirty="0" smtClean="0"/>
+              <a:t>Sharing the knowledge</a:t>
+            </a:r>
+          </a:p>
+          <a:p>
+            <a:pPr lvl="2"/>
+            <a:r>
+              <a:rPr lang="en-US" dirty="0" smtClean="0"/>
+              <a:t>Trend Analysis</a:t>
+            </a:r>
+          </a:p>
+          <a:p>
+            <a:pPr lvl="2"/>
+            <a:r>
+              <a:rPr lang="en-US" dirty="0" smtClean="0"/>
+              <a:t>Early Warning System</a:t>
+            </a:r>
+          </a:p>
+          <a:p>
+            <a:r>
+              <a:rPr lang="en-US" dirty="0" smtClean="0"/>
+              <a:t>Emergency Response, threat recognition</a:t>
+            </a:r>
             <a:endParaRPr lang="en-US" dirty="0" smtClean="0"/>
           </a:p>
         </p:txBody>
@@ -3323,7 +4109,7 @@
     </p:spTree>
     <p:extLst>
       <p:ext uri="{BB962C8B-B14F-4D97-AF65-F5344CB8AC3E}">
-        <p14:creationId xmlns:p14="http://schemas.microsoft.com/office/powerpoint/2010/main" val="1184956677"/>
+        <p14:creationId xmlns:p14="http://schemas.microsoft.com/office/powerpoint/2010/main" val="3257356111"/>
       </p:ext>
     </p:extLst>
   </p:cSld>
@@ -3614,4 +4400,289 @@
   <a:objectDefaults/>
   <a:extraClrSchemeLst/>
 </a:theme>
+</file>
+
+<file path=ppt/theme/theme2.xml><?xml version="1.0" encoding="utf-8"?>
+<a:theme xmlns:a="http://schemas.openxmlformats.org/drawingml/2006/main" name="Office Theme">
+  <a:themeElements>
+    <a:clrScheme name="Office">
+      <a:dk1>
+        <a:sysClr val="windowText" lastClr="000000"/>
+      </a:dk1>
+      <a:lt1>
+        <a:sysClr val="window" lastClr="FFFFFF"/>
+      </a:lt1>
+      <a:dk2>
+        <a:srgbClr val="1F497D"/>
+      </a:dk2>
+      <a:lt2>
+        <a:srgbClr val="EEECE1"/>
+      </a:lt2>
+      <a:accent1>
+        <a:srgbClr val="4F81BD"/>
+      </a:accent1>
+      <a:accent2>
+        <a:srgbClr val="C0504D"/>
+      </a:accent2>
+      <a:accent3>
+        <a:srgbClr val="9BBB59"/>
+      </a:accent3>
+      <a:accent4>
+        <a:srgbClr val="8064A2"/>
+      </a:accent4>
+      <a:accent5>
+        <a:srgbClr val="4BACC6"/>
+      </a:accent5>
+      <a:accent6>
+        <a:srgbClr val="F79646"/>
+      </a:accent6>
+      <a:hlink>
+        <a:srgbClr val="0000FF"/>
+      </a:hlink>
+      <a:folHlink>
+        <a:srgbClr val="800080"/>
+      </a:folHlink>
+    </a:clrScheme>
+    <a:fontScheme name="Office">
+      <a:majorFont>
+        <a:latin typeface="Calibri"/>
+        <a:ea typeface=""/>
+        <a:cs typeface=""/>
+        <a:font script="Jpan" typeface="ＭＳ Ｐゴシック"/>
+        <a:font script="Hang" typeface="맑은 고딕"/>
+        <a:font script="Hans" typeface="宋体"/>
+        <a:font script="Hant" typeface="新細明體"/>
+        <a:font script="Arab" typeface="Times New Roman"/>
+        <a:font script="Hebr" typeface="Times New Roman"/>
+        <a:font script="Thai" typeface="Angsana New"/>
+        <a:font script="Ethi" typeface="Nyala"/>
+        <a:font script="Beng" typeface="Vrinda"/>
+        <a:font script="Gujr" typeface="Shruti"/>
+        <a:font script="Khmr" typeface="MoolBoran"/>
+        <a:font script="Knda" typeface="Tunga"/>
+        <a:font script="Guru" typeface="Raavi"/>
+        <a:font script="Cans" typeface="Euphemia"/>
+        <a:font script="Cher" typeface="Plantagenet Cherokee"/>
+        <a:font script="Yiii" typeface="Microsoft Yi Baiti"/>
+        <a:font script="Tibt" typeface="Microsoft Himalaya"/>
+        <a:font script="Thaa" typeface="MV Boli"/>
+        <a:font script="Deva" typeface="Mangal"/>
+        <a:font script="Telu" typeface="Gautami"/>
+        <a:font script="Taml" typeface="Latha"/>
+        <a:font script="Syrc" typeface="Estrangelo Edessa"/>
+        <a:font script="Orya" typeface="Kalinga"/>
+        <a:font script="Mlym" typeface="Kartika"/>
+        <a:font script="Laoo" typeface="DokChampa"/>
+        <a:font script="Sinh" typeface="Iskoola Pota"/>
+        <a:font script="Mong" typeface="Mongolian Baiti"/>
+        <a:font script="Viet" typeface="Times New Roman"/>
+        <a:font script="Uigh" typeface="Microsoft Uighur"/>
+        <a:font script="Geor" typeface="Sylfaen"/>
+      </a:majorFont>
+      <a:minorFont>
+        <a:latin typeface="Calibri"/>
+        <a:ea typeface=""/>
+        <a:cs typeface=""/>
+        <a:font script="Jpan" typeface="ＭＳ Ｐゴシック"/>
+        <a:font script="Hang" typeface="맑은 고딕"/>
+        <a:font script="Hans" typeface="宋体"/>
+        <a:font script="Hant" typeface="新細明體"/>
+        <a:font script="Arab" typeface="Arial"/>
+        <a:font script="Hebr" typeface="Arial"/>
+        <a:font script="Thai" typeface="Cordia New"/>
+        <a:font script="Ethi" typeface="Nyala"/>
+        <a:font script="Beng" typeface="Vrinda"/>
+        <a:font script="Gujr" typeface="Shruti"/>
+        <a:font script="Khmr" typeface="DaunPenh"/>
+        <a:font script="Knda" typeface="Tunga"/>
+        <a:font script="Guru" typeface="Raavi"/>
+        <a:font script="Cans" typeface="Euphemia"/>
+        <a:font script="Cher" typeface="Plantagenet Cherokee"/>
+        <a:font script="Yiii" typeface="Microsoft Yi Baiti"/>
+        <a:font script="Tibt" typeface="Microsoft Himalaya"/>
+        <a:font script="Thaa" typeface="MV Boli"/>
+        <a:font script="Deva" typeface="Mangal"/>
+        <a:font script="Telu" typeface="Gautami"/>
+        <a:font script="Taml" typeface="Latha"/>
+        <a:font script="Syrc" typeface="Estrangelo Edessa"/>
+        <a:font script="Orya" typeface="Kalinga"/>
+        <a:font script="Mlym" typeface="Kartika"/>
+        <a:font script="Laoo" typeface="DokChampa"/>
+        <a:font script="Sinh" typeface="Iskoola Pota"/>
+        <a:font script="Mong" typeface="Mongolian Baiti"/>
+        <a:font script="Viet" typeface="Arial"/>
+        <a:font script="Uigh" typeface="Microsoft Uighur"/>
+        <a:font script="Geor" typeface="Sylfaen"/>
+      </a:minorFont>
+    </a:fontScheme>
+    <a:fmtScheme name="Office">
+      <a:fillStyleLst>
+        <a:solidFill>
+          <a:schemeClr val="phClr"/>
+        </a:solidFill>
+        <a:gradFill rotWithShape="1">
+          <a:gsLst>
+            <a:gs pos="0">
+              <a:schemeClr val="phClr">
+                <a:tint val="50000"/>
+                <a:satMod val="300000"/>
+              </a:schemeClr>
+            </a:gs>
+            <a:gs pos="35000">
+              <a:schemeClr val="phClr">
+                <a:tint val="37000"/>
+                <a:satMod val="300000"/>
+              </a:schemeClr>
+            </a:gs>
+            <a:gs pos="100000">
+              <a:schemeClr val="phClr">
+                <a:tint val="15000"/>
+                <a:satMod val="350000"/>
+              </a:schemeClr>
+            </a:gs>
+          </a:gsLst>
+          <a:lin ang="16200000" scaled="1"/>
+        </a:gradFill>
+        <a:gradFill rotWithShape="1">
+          <a:gsLst>
+            <a:gs pos="0">
+              <a:schemeClr val="phClr">
+                <a:shade val="51000"/>
+                <a:satMod val="130000"/>
+              </a:schemeClr>
+            </a:gs>
+            <a:gs pos="80000">
+              <a:schemeClr val="phClr">
+                <a:shade val="93000"/>
+                <a:satMod val="130000"/>
+              </a:schemeClr>
+            </a:gs>
+            <a:gs pos="100000">
+              <a:schemeClr val="phClr">
+                <a:shade val="94000"/>
+                <a:satMod val="135000"/>
+              </a:schemeClr>
+            </a:gs>
+          </a:gsLst>
+          <a:lin ang="16200000" scaled="0"/>
+        </a:gradFill>
+      </a:fillStyleLst>
+      <a:lnStyleLst>
+        <a:ln w="9525" cap="flat" cmpd="sng" algn="ctr">
+          <a:solidFill>
+            <a:schemeClr val="phClr">
+              <a:shade val="95000"/>
+              <a:satMod val="105000"/>
+            </a:schemeClr>
+          </a:solidFill>
+          <a:prstDash val="solid"/>
+        </a:ln>
+        <a:ln w="25400" cap="flat" cmpd="sng" algn="ctr">
+          <a:solidFill>
+            <a:schemeClr val="phClr"/>
+          </a:solidFill>
+          <a:prstDash val="solid"/>
+        </a:ln>
+        <a:ln w="38100" cap="flat" cmpd="sng" algn="ctr">
+          <a:solidFill>
+            <a:schemeClr val="phClr"/>
+          </a:solidFill>
+          <a:prstDash val="solid"/>
+        </a:ln>
+      </a:lnStyleLst>
+      <a:effectStyleLst>
+        <a:effectStyle>
+          <a:effectLst>
+            <a:outerShdw blurRad="40000" dist="20000" dir="5400000" rotWithShape="0">
+              <a:srgbClr val="000000">
+                <a:alpha val="38000"/>
+              </a:srgbClr>
+            </a:outerShdw>
+          </a:effectLst>
+        </a:effectStyle>
+        <a:effectStyle>
+          <a:effectLst>
+            <a:outerShdw blurRad="40000" dist="23000" dir="5400000" rotWithShape="0">
+              <a:srgbClr val="000000">
+                <a:alpha val="35000"/>
+              </a:srgbClr>
+            </a:outerShdw>
+          </a:effectLst>
+        </a:effectStyle>
+        <a:effectStyle>
+          <a:effectLst>
+            <a:outerShdw blurRad="40000" dist="23000" dir="5400000" rotWithShape="0">
+              <a:srgbClr val="000000">
+                <a:alpha val="35000"/>
+              </a:srgbClr>
+            </a:outerShdw>
+          </a:effectLst>
+          <a:scene3d>
+            <a:camera prst="orthographicFront">
+              <a:rot lat="0" lon="0" rev="0"/>
+            </a:camera>
+            <a:lightRig rig="threePt" dir="t">
+              <a:rot lat="0" lon="0" rev="1200000"/>
+            </a:lightRig>
+          </a:scene3d>
+          <a:sp3d>
+            <a:bevelT w="63500" h="25400"/>
+          </a:sp3d>
+        </a:effectStyle>
+      </a:effectStyleLst>
+      <a:bgFillStyleLst>
+        <a:solidFill>
+          <a:schemeClr val="phClr"/>
+        </a:solidFill>
+        <a:gradFill rotWithShape="1">
+          <a:gsLst>
+            <a:gs pos="0">
+              <a:schemeClr val="phClr">
+                <a:tint val="40000"/>
+                <a:satMod val="350000"/>
+              </a:schemeClr>
+            </a:gs>
+            <a:gs pos="40000">
+              <a:schemeClr val="phClr">
+                <a:tint val="45000"/>
+                <a:shade val="99000"/>
+                <a:satMod val="350000"/>
+              </a:schemeClr>
+            </a:gs>
+            <a:gs pos="100000">
+              <a:schemeClr val="phClr">
+                <a:shade val="20000"/>
+                <a:satMod val="255000"/>
+              </a:schemeClr>
+            </a:gs>
+          </a:gsLst>
+          <a:path path="circle">
+            <a:fillToRect l="50000" t="-80000" r="50000" b="180000"/>
+          </a:path>
+        </a:gradFill>
+        <a:gradFill rotWithShape="1">
+          <a:gsLst>
+            <a:gs pos="0">
+              <a:schemeClr val="phClr">
+                <a:tint val="80000"/>
+                <a:satMod val="300000"/>
+              </a:schemeClr>
+            </a:gs>
+            <a:gs pos="100000">
+              <a:schemeClr val="phClr">
+                <a:shade val="30000"/>
+                <a:satMod val="200000"/>
+              </a:schemeClr>
+            </a:gs>
+          </a:gsLst>
+          <a:path path="circle">
+            <a:fillToRect l="50000" t="50000" r="50000" b="50000"/>
+          </a:path>
+        </a:gradFill>
+      </a:bgFillStyleLst>
+    </a:fmtScheme>
+  </a:themeElements>
+  <a:objectDefaults/>
+  <a:extraClrSchemeLst/>
+</a:theme>
 </file>